--- a/certi_template.pptx
+++ b/certi_template.pptx
@@ -231,7 +231,7 @@
           <a:p>
             <a:fld id="{4AF6211C-B36C-4ABF-873E-3ACC1AEFE581}" type="datetimeFigureOut">
               <a:rPr lang="ko-KR" altLang="en-US" smtClean="0"/>
-              <a:t>2025. 6. 18.</a:t>
+              <a:t>2025. 6. 20.</a:t>
             </a:fld>
             <a:endParaRPr lang="ko-KR" altLang="en-US"/>
           </a:p>
@@ -1704,6 +1704,42 @@
           <a:xfrm>
             <a:off x="2313672" y="1410487"/>
             <a:ext cx="1033685" cy="469982"/>
+          </a:xfrm>
+          <a:prstGeom prst="rect">
+            <a:avLst/>
+          </a:prstGeom>
+        </p:spPr>
+      </p:pic>
+      <p:pic>
+        <p:nvPicPr>
+          <p:cNvPr id="4" name="그림 3" descr="예술, 패턴, 직사각형, 텍스트이(가) 표시된 사진&#10;&#10;AI 생성 콘텐츠는 정확하지 않을 수 있습니다.">
+            <a:extLst>
+              <a:ext uri="{FF2B5EF4-FFF2-40B4-BE49-F238E27FC236}">
+                <a16:creationId xmlns:a16="http://schemas.microsoft.com/office/drawing/2014/main" id="{EC7C6DCE-2006-0A41-8193-94B664DD3EC9}"/>
+              </a:ext>
+            </a:extLst>
+          </p:cNvPr>
+          <p:cNvPicPr>
+            <a:picLocks noChangeAspect="1"/>
+          </p:cNvPicPr>
+          <p:nvPr userDrawn="1"/>
+        </p:nvPicPr>
+        <p:blipFill>
+          <a:blip r:embed="rId4">
+            <a:extLst>
+              <a:ext uri="{28A0092B-C50C-407E-A947-70E740481C1C}">
+                <a14:useLocalDpi xmlns:a14="http://schemas.microsoft.com/office/drawing/2010/main" val="0"/>
+              </a:ext>
+            </a:extLst>
+          </a:blip>
+          <a:stretch>
+            <a:fillRect/>
+          </a:stretch>
+        </p:blipFill>
+        <p:spPr>
+          <a:xfrm>
+            <a:off x="2298153" y="1782090"/>
+            <a:ext cx="251551" cy="257116"/>
           </a:xfrm>
           <a:prstGeom prst="rect">
             <a:avLst/>
@@ -2214,7 +2250,7 @@
           <p:cNvPr id="8" name="그림 7" descr="예술, 패턴, 직사각형, 텍스트이(가) 표시된 사진&#10;&#10;AI 생성 콘텐츠는 정확하지 않을 수 있습니다.">
             <a:extLst>
               <a:ext uri="{FF2B5EF4-FFF2-40B4-BE49-F238E27FC236}">
-                <a16:creationId xmlns:a16="http://schemas.microsoft.com/office/drawing/2014/main" id="{386DFF19-87FF-ACEC-C4FB-217FBD28741B}"/>
+                <a16:creationId xmlns:a16="http://schemas.microsoft.com/office/drawing/2014/main" id="{E4DB9BE6-B3AF-1243-BB96-7ED6E98205AE}"/>
               </a:ext>
             </a:extLst>
           </p:cNvPr>
@@ -2237,8 +2273,8 @@
         </p:blipFill>
         <p:spPr>
           <a:xfrm>
-            <a:off x="2286473" y="1758532"/>
-            <a:ext cx="278752" cy="284919"/>
+            <a:off x="2307723" y="1808090"/>
+            <a:ext cx="212502" cy="217204"/>
           </a:xfrm>
           <a:prstGeom prst="rect">
             <a:avLst/>
